--- a/docs/線圖問題點.pptx
+++ b/docs/線圖問題點.pptx
@@ -106,11 +106,6 @@
       </a:defRPr>
     </a:lvl9pPr>
   </p:defaultTextStyle>
-  <p:extLst>
-    <p:ext uri="{EFAFB233-063F-42B5-8137-9DF3F51BA10A}">
-      <p15:sldGuideLst xmlns:p15="http://schemas.microsoft.com/office/powerpoint/2012/main"/>
-    </p:ext>
-  </p:extLst>
 </p:presentation>
 </file>
 
@@ -245,7 +240,7 @@
           <a:p>
             <a:fld id="{8026B243-CE84-4232-97D2-96ED87E8F986}" type="datetimeFigureOut">
               <a:rPr lang="zh-TW" altLang="en-US" smtClean="0"/>
-              <a:t>2018/9/30</a:t>
+              <a:t>2018/9/29</a:t>
             </a:fld>
             <a:endParaRPr lang="zh-TW" altLang="en-US"/>
           </a:p>
@@ -415,7 +410,7 @@
           <a:p>
             <a:fld id="{8026B243-CE84-4232-97D2-96ED87E8F986}" type="datetimeFigureOut">
               <a:rPr lang="zh-TW" altLang="en-US" smtClean="0"/>
-              <a:t>2018/9/30</a:t>
+              <a:t>2018/9/29</a:t>
             </a:fld>
             <a:endParaRPr lang="zh-TW" altLang="en-US"/>
           </a:p>
@@ -595,7 +590,7 @@
           <a:p>
             <a:fld id="{8026B243-CE84-4232-97D2-96ED87E8F986}" type="datetimeFigureOut">
               <a:rPr lang="zh-TW" altLang="en-US" smtClean="0"/>
-              <a:t>2018/9/30</a:t>
+              <a:t>2018/9/29</a:t>
             </a:fld>
             <a:endParaRPr lang="zh-TW" altLang="en-US"/>
           </a:p>
@@ -765,7 +760,7 @@
           <a:p>
             <a:fld id="{8026B243-CE84-4232-97D2-96ED87E8F986}" type="datetimeFigureOut">
               <a:rPr lang="zh-TW" altLang="en-US" smtClean="0"/>
-              <a:t>2018/9/30</a:t>
+              <a:t>2018/9/29</a:t>
             </a:fld>
             <a:endParaRPr lang="zh-TW" altLang="en-US"/>
           </a:p>
@@ -1011,7 +1006,7 @@
           <a:p>
             <a:fld id="{8026B243-CE84-4232-97D2-96ED87E8F986}" type="datetimeFigureOut">
               <a:rPr lang="zh-TW" altLang="en-US" smtClean="0"/>
-              <a:t>2018/9/30</a:t>
+              <a:t>2018/9/29</a:t>
             </a:fld>
             <a:endParaRPr lang="zh-TW" altLang="en-US"/>
           </a:p>
@@ -1243,7 +1238,7 @@
           <a:p>
             <a:fld id="{8026B243-CE84-4232-97D2-96ED87E8F986}" type="datetimeFigureOut">
               <a:rPr lang="zh-TW" altLang="en-US" smtClean="0"/>
-              <a:t>2018/9/30</a:t>
+              <a:t>2018/9/29</a:t>
             </a:fld>
             <a:endParaRPr lang="zh-TW" altLang="en-US"/>
           </a:p>
@@ -1610,7 +1605,7 @@
           <a:p>
             <a:fld id="{8026B243-CE84-4232-97D2-96ED87E8F986}" type="datetimeFigureOut">
               <a:rPr lang="zh-TW" altLang="en-US" smtClean="0"/>
-              <a:t>2018/9/30</a:t>
+              <a:t>2018/9/29</a:t>
             </a:fld>
             <a:endParaRPr lang="zh-TW" altLang="en-US"/>
           </a:p>
@@ -1728,7 +1723,7 @@
           <a:p>
             <a:fld id="{8026B243-CE84-4232-97D2-96ED87E8F986}" type="datetimeFigureOut">
               <a:rPr lang="zh-TW" altLang="en-US" smtClean="0"/>
-              <a:t>2018/9/30</a:t>
+              <a:t>2018/9/29</a:t>
             </a:fld>
             <a:endParaRPr lang="zh-TW" altLang="en-US"/>
           </a:p>
@@ -1823,7 +1818,7 @@
           <a:p>
             <a:fld id="{8026B243-CE84-4232-97D2-96ED87E8F986}" type="datetimeFigureOut">
               <a:rPr lang="zh-TW" altLang="en-US" smtClean="0"/>
-              <a:t>2018/9/30</a:t>
+              <a:t>2018/9/29</a:t>
             </a:fld>
             <a:endParaRPr lang="zh-TW" altLang="en-US"/>
           </a:p>
@@ -2100,7 +2095,7 @@
           <a:p>
             <a:fld id="{8026B243-CE84-4232-97D2-96ED87E8F986}" type="datetimeFigureOut">
               <a:rPr lang="zh-TW" altLang="en-US" smtClean="0"/>
-              <a:t>2018/9/30</a:t>
+              <a:t>2018/9/29</a:t>
             </a:fld>
             <a:endParaRPr lang="zh-TW" altLang="en-US"/>
           </a:p>
@@ -2353,7 +2348,7 @@
           <a:p>
             <a:fld id="{8026B243-CE84-4232-97D2-96ED87E8F986}" type="datetimeFigureOut">
               <a:rPr lang="zh-TW" altLang="en-US" smtClean="0"/>
-              <a:t>2018/9/30</a:t>
+              <a:t>2018/9/29</a:t>
             </a:fld>
             <a:endParaRPr lang="zh-TW" altLang="en-US"/>
           </a:p>
@@ -2566,7 +2561,7 @@
           <a:p>
             <a:fld id="{8026B243-CE84-4232-97D2-96ED87E8F986}" type="datetimeFigureOut">
               <a:rPr lang="zh-TW" altLang="en-US" smtClean="0"/>
-              <a:t>2018/9/30</a:t>
+              <a:t>2018/9/29</a:t>
             </a:fld>
             <a:endParaRPr lang="zh-TW" altLang="en-US"/>
           </a:p>
@@ -3026,6 +3021,287 @@
       </p:pic>
       <p:sp>
         <p:nvSpPr>
+          <p:cNvPr id="7" name="直線圖說文字 1 6"/>
+          <p:cNvSpPr/>
+          <p:nvPr/>
+        </p:nvSpPr>
+        <p:spPr>
+          <a:xfrm>
+            <a:off x="951655" y="1321391"/>
+            <a:ext cx="3069502" cy="649998"/>
+          </a:xfrm>
+          <a:prstGeom prst="borderCallout1">
+            <a:avLst>
+              <a:gd name="adj1" fmla="val 51839"/>
+              <a:gd name="adj2" fmla="val -333"/>
+              <a:gd name="adj3" fmla="val 157241"/>
+              <a:gd name="adj4" fmla="val -9106"/>
+            </a:avLst>
+          </a:prstGeom>
+          <a:solidFill>
+            <a:schemeClr val="bg1"/>
+          </a:solidFill>
+          <a:ln w="38100">
+            <a:solidFill>
+              <a:srgbClr val="FF0000"/>
+            </a:solidFill>
+          </a:ln>
+        </p:spPr>
+        <p:style>
+          <a:lnRef idx="2">
+            <a:schemeClr val="accent1">
+              <a:shade val="50000"/>
+            </a:schemeClr>
+          </a:lnRef>
+          <a:fillRef idx="1">
+            <a:schemeClr val="accent1"/>
+          </a:fillRef>
+          <a:effectRef idx="0">
+            <a:schemeClr val="accent1"/>
+          </a:effectRef>
+          <a:fontRef idx="minor">
+            <a:schemeClr val="lt1"/>
+          </a:fontRef>
+        </p:style>
+        <p:txBody>
+          <a:bodyPr rtlCol="0" anchor="ctr"/>
+          <a:lstStyle/>
+          <a:p>
+            <a:r>
+              <a:rPr lang="zh-TW" altLang="en-US" dirty="0" smtClean="0">
+                <a:solidFill>
+                  <a:schemeClr val="tx1"/>
+                </a:solidFill>
+              </a:rPr>
+              <a:t>取消此當日資訊顯示框</a:t>
+            </a:r>
+            <a:endParaRPr lang="en-US" altLang="zh-TW" dirty="0" smtClean="0">
+              <a:solidFill>
+                <a:schemeClr val="tx1"/>
+              </a:solidFill>
+            </a:endParaRPr>
+          </a:p>
+          <a:p>
+            <a:r>
+              <a:rPr lang="zh-TW" altLang="en-US" dirty="0" smtClean="0">
+                <a:solidFill>
+                  <a:schemeClr val="tx1"/>
+                </a:solidFill>
+              </a:rPr>
+              <a:t>改成</a:t>
+            </a:r>
+            <a:r>
+              <a:rPr lang="en-US" altLang="zh-TW" dirty="0" smtClean="0">
+                <a:solidFill>
+                  <a:schemeClr val="tx1"/>
+                </a:solidFill>
+              </a:rPr>
+              <a:t>K</a:t>
+            </a:r>
+            <a:r>
+              <a:rPr lang="zh-TW" altLang="en-US" dirty="0" smtClean="0">
+                <a:solidFill>
+                  <a:schemeClr val="tx1"/>
+                </a:solidFill>
+              </a:rPr>
+              <a:t>線圖上方的兩行顯示行</a:t>
+            </a:r>
+            <a:endParaRPr lang="en-US" altLang="zh-TW" dirty="0" smtClean="0">
+              <a:solidFill>
+                <a:schemeClr val="tx1"/>
+              </a:solidFill>
+            </a:endParaRPr>
+          </a:p>
+        </p:txBody>
+      </p:sp>
+      <p:sp>
+        <p:nvSpPr>
+          <p:cNvPr id="9" name="直線圖說文字 1 8"/>
+          <p:cNvSpPr/>
+          <p:nvPr/>
+        </p:nvSpPr>
+        <p:spPr>
+          <a:xfrm>
+            <a:off x="3116052" y="123625"/>
+            <a:ext cx="4440074" cy="872767"/>
+          </a:xfrm>
+          <a:prstGeom prst="borderCallout1">
+            <a:avLst>
+              <a:gd name="adj1" fmla="val 51839"/>
+              <a:gd name="adj2" fmla="val -333"/>
+              <a:gd name="adj3" fmla="val 52472"/>
+              <a:gd name="adj4" fmla="val -3842"/>
+            </a:avLst>
+          </a:prstGeom>
+          <a:solidFill>
+            <a:schemeClr val="bg1"/>
+          </a:solidFill>
+        </p:spPr>
+        <p:style>
+          <a:lnRef idx="2">
+            <a:schemeClr val="accent1">
+              <a:shade val="50000"/>
+            </a:schemeClr>
+          </a:lnRef>
+          <a:fillRef idx="1">
+            <a:schemeClr val="accent1"/>
+          </a:fillRef>
+          <a:effectRef idx="0">
+            <a:schemeClr val="accent1"/>
+          </a:effectRef>
+          <a:fontRef idx="minor">
+            <a:schemeClr val="lt1"/>
+          </a:fontRef>
+        </p:style>
+        <p:txBody>
+          <a:bodyPr rtlCol="0" anchor="ctr"/>
+          <a:lstStyle/>
+          <a:p>
+            <a:r>
+              <a:rPr lang="en-US" altLang="zh-TW" dirty="0" smtClean="0">
+                <a:solidFill>
+                  <a:schemeClr val="tx1"/>
+                </a:solidFill>
+              </a:rPr>
+              <a:t>2018/09/28  </a:t>
+            </a:r>
+            <a:r>
+              <a:rPr lang="zh-TW" altLang="en-US" dirty="0" smtClean="0">
+                <a:solidFill>
+                  <a:schemeClr val="tx1"/>
+                </a:solidFill>
+              </a:rPr>
+              <a:t>收 </a:t>
+            </a:r>
+            <a:r>
+              <a:rPr lang="en-US" altLang="zh-TW" dirty="0" smtClean="0">
+                <a:solidFill>
+                  <a:schemeClr val="tx1"/>
+                </a:solidFill>
+              </a:rPr>
+              <a:t>69.4 </a:t>
+            </a:r>
+            <a:r>
+              <a:rPr lang="zh-TW" altLang="en-US" dirty="0" smtClean="0">
+                <a:solidFill>
+                  <a:schemeClr val="tx1"/>
+                </a:solidFill>
+              </a:rPr>
+              <a:t>開 </a:t>
+            </a:r>
+            <a:r>
+              <a:rPr lang="en-US" altLang="zh-TW" dirty="0" smtClean="0">
+                <a:solidFill>
+                  <a:schemeClr val="tx1"/>
+                </a:solidFill>
+              </a:rPr>
+              <a:t>70.0 </a:t>
+            </a:r>
+            <a:r>
+              <a:rPr lang="zh-TW" altLang="en-US" dirty="0" smtClean="0">
+                <a:solidFill>
+                  <a:schemeClr val="tx1"/>
+                </a:solidFill>
+              </a:rPr>
+              <a:t>高</a:t>
+            </a:r>
+            <a:r>
+              <a:rPr lang="en-US" altLang="zh-TW" dirty="0" smtClean="0">
+                <a:solidFill>
+                  <a:schemeClr val="tx1"/>
+                </a:solidFill>
+              </a:rPr>
+              <a:t> 71.0 </a:t>
+            </a:r>
+            <a:r>
+              <a:rPr lang="zh-TW" altLang="en-US" dirty="0" smtClean="0">
+                <a:solidFill>
+                  <a:schemeClr val="tx1"/>
+                </a:solidFill>
+              </a:rPr>
+              <a:t>低</a:t>
+            </a:r>
+            <a:r>
+              <a:rPr lang="en-US" altLang="zh-TW" dirty="0" smtClean="0">
+                <a:solidFill>
+                  <a:schemeClr val="tx1"/>
+                </a:solidFill>
+              </a:rPr>
+              <a:t> 69.1</a:t>
+            </a:r>
+            <a:endParaRPr lang="en-US" altLang="zh-TW" dirty="0" smtClean="0">
+              <a:solidFill>
+                <a:schemeClr val="tx1"/>
+              </a:solidFill>
+            </a:endParaRPr>
+          </a:p>
+          <a:p>
+            <a:r>
+              <a:rPr lang="zh-TW" altLang="en-US" dirty="0" smtClean="0">
+                <a:solidFill>
+                  <a:schemeClr val="tx1"/>
+                </a:solidFill>
+              </a:rPr>
+              <a:t>日線 </a:t>
+            </a:r>
+            <a:r>
+              <a:rPr lang="en-US" altLang="zh-TW" dirty="0" smtClean="0">
+                <a:solidFill>
+                  <a:schemeClr val="tx1"/>
+                </a:solidFill>
+              </a:rPr>
+              <a:t>M5 68.7 M10 68.57 M20 70.3M60 70.3</a:t>
+            </a:r>
+            <a:endParaRPr lang="en-US" altLang="zh-TW" dirty="0" smtClean="0">
+              <a:solidFill>
+                <a:schemeClr val="tx1"/>
+              </a:solidFill>
+            </a:endParaRPr>
+          </a:p>
+        </p:txBody>
+      </p:sp>
+      <p:sp>
+        <p:nvSpPr>
+          <p:cNvPr id="11" name="上彎箭號 10"/>
+          <p:cNvSpPr/>
+          <p:nvPr/>
+        </p:nvSpPr>
+        <p:spPr>
+          <a:xfrm>
+            <a:off x="4124234" y="1051479"/>
+            <a:ext cx="1211855" cy="594911"/>
+          </a:xfrm>
+          <a:prstGeom prst="bentUpArrow">
+            <a:avLst/>
+          </a:prstGeom>
+        </p:spPr>
+        <p:style>
+          <a:lnRef idx="2">
+            <a:schemeClr val="accent1">
+              <a:shade val="50000"/>
+            </a:schemeClr>
+          </a:lnRef>
+          <a:fillRef idx="1">
+            <a:schemeClr val="accent1"/>
+          </a:fillRef>
+          <a:effectRef idx="0">
+            <a:schemeClr val="accent1"/>
+          </a:effectRef>
+          <a:fontRef idx="minor">
+            <a:schemeClr val="lt1"/>
+          </a:fontRef>
+        </p:style>
+        <p:txBody>
+          <a:bodyPr rtlCol="0" anchor="ctr"/>
+          <a:lstStyle/>
+          <a:p>
+            <a:pPr algn="ctr"/>
+            <a:endParaRPr lang="zh-TW" altLang="en-US"/>
+          </a:p>
+        </p:txBody>
+      </p:sp>
+      <p:sp>
+        <p:nvSpPr>
           <p:cNvPr id="8" name="向右箭號 7"/>
           <p:cNvSpPr/>
           <p:nvPr/>
@@ -3064,6 +3340,306 @@
           <a:p>
             <a:pPr algn="ctr"/>
             <a:endParaRPr lang="zh-TW" altLang="en-US"/>
+          </a:p>
+        </p:txBody>
+      </p:sp>
+      <p:sp>
+        <p:nvSpPr>
+          <p:cNvPr id="12" name="直線圖說文字 1 11"/>
+          <p:cNvSpPr/>
+          <p:nvPr/>
+        </p:nvSpPr>
+        <p:spPr>
+          <a:xfrm>
+            <a:off x="4777140" y="2621387"/>
+            <a:ext cx="2263138" cy="411862"/>
+          </a:xfrm>
+          <a:prstGeom prst="borderCallout1">
+            <a:avLst>
+              <a:gd name="adj1" fmla="val 51839"/>
+              <a:gd name="adj2" fmla="val -333"/>
+              <a:gd name="adj3" fmla="val 221540"/>
+              <a:gd name="adj4" fmla="val -36215"/>
+            </a:avLst>
+          </a:prstGeom>
+          <a:solidFill>
+            <a:schemeClr val="bg1"/>
+          </a:solidFill>
+          <a:ln w="38100">
+            <a:solidFill>
+              <a:srgbClr val="FF0000"/>
+            </a:solidFill>
+          </a:ln>
+        </p:spPr>
+        <p:style>
+          <a:lnRef idx="2">
+            <a:schemeClr val="accent1">
+              <a:shade val="50000"/>
+            </a:schemeClr>
+          </a:lnRef>
+          <a:fillRef idx="1">
+            <a:schemeClr val="accent1"/>
+          </a:fillRef>
+          <a:effectRef idx="0">
+            <a:schemeClr val="accent1"/>
+          </a:effectRef>
+          <a:fontRef idx="minor">
+            <a:schemeClr val="lt1"/>
+          </a:fontRef>
+        </p:style>
+        <p:txBody>
+          <a:bodyPr rtlCol="0" anchor="ctr"/>
+          <a:lstStyle/>
+          <a:p>
+            <a:pPr algn="ctr"/>
+            <a:r>
+              <a:rPr lang="zh-TW" altLang="en-US" dirty="0" smtClean="0">
+                <a:solidFill>
+                  <a:schemeClr val="tx1"/>
+                </a:solidFill>
+              </a:rPr>
+              <a:t>取消此均線圓圈點</a:t>
+            </a:r>
+            <a:endParaRPr lang="zh-TW" altLang="en-US" dirty="0">
+              <a:solidFill>
+                <a:schemeClr val="tx1"/>
+              </a:solidFill>
+            </a:endParaRPr>
+          </a:p>
+        </p:txBody>
+      </p:sp>
+      <p:sp>
+        <p:nvSpPr>
+          <p:cNvPr id="13" name="直線圖說文字 1 12"/>
+          <p:cNvSpPr/>
+          <p:nvPr/>
+        </p:nvSpPr>
+        <p:spPr>
+          <a:xfrm>
+            <a:off x="5030528" y="3379743"/>
+            <a:ext cx="2263138" cy="411862"/>
+          </a:xfrm>
+          <a:prstGeom prst="borderCallout1">
+            <a:avLst>
+              <a:gd name="adj1" fmla="val 51839"/>
+              <a:gd name="adj2" fmla="val -333"/>
+              <a:gd name="adj3" fmla="val 26273"/>
+              <a:gd name="adj4" fmla="val -34267"/>
+            </a:avLst>
+          </a:prstGeom>
+          <a:solidFill>
+            <a:schemeClr val="bg1"/>
+          </a:solidFill>
+          <a:ln w="41275">
+            <a:solidFill>
+              <a:srgbClr val="FF0000"/>
+            </a:solidFill>
+          </a:ln>
+        </p:spPr>
+        <p:style>
+          <a:lnRef idx="2">
+            <a:schemeClr val="accent1">
+              <a:shade val="50000"/>
+            </a:schemeClr>
+          </a:lnRef>
+          <a:fillRef idx="1">
+            <a:schemeClr val="accent1"/>
+          </a:fillRef>
+          <a:effectRef idx="0">
+            <a:schemeClr val="accent1"/>
+          </a:effectRef>
+          <a:fontRef idx="minor">
+            <a:schemeClr val="lt1"/>
+          </a:fontRef>
+        </p:style>
+        <p:txBody>
+          <a:bodyPr rtlCol="0" anchor="ctr"/>
+          <a:lstStyle/>
+          <a:p>
+            <a:pPr algn="ctr"/>
+            <a:r>
+              <a:rPr lang="zh-TW" altLang="en-US" dirty="0" smtClean="0">
+                <a:solidFill>
+                  <a:schemeClr val="tx1"/>
+                </a:solidFill>
+              </a:rPr>
+              <a:t>均線線條粗一點點</a:t>
+            </a:r>
+            <a:endParaRPr lang="zh-TW" altLang="en-US" dirty="0">
+              <a:solidFill>
+                <a:schemeClr val="tx1"/>
+              </a:solidFill>
+            </a:endParaRPr>
+          </a:p>
+        </p:txBody>
+      </p:sp>
+      <p:sp>
+        <p:nvSpPr>
+          <p:cNvPr id="14" name="直線圖說文字 1 13"/>
+          <p:cNvSpPr/>
+          <p:nvPr/>
+        </p:nvSpPr>
+        <p:spPr>
+          <a:xfrm>
+            <a:off x="5793003" y="1636957"/>
+            <a:ext cx="2263138" cy="637936"/>
+          </a:xfrm>
+          <a:prstGeom prst="borderCallout1">
+            <a:avLst>
+              <a:gd name="adj1" fmla="val 51839"/>
+              <a:gd name="adj2" fmla="val -333"/>
+              <a:gd name="adj3" fmla="val -141191"/>
+              <a:gd name="adj4" fmla="val -17622"/>
+            </a:avLst>
+          </a:prstGeom>
+          <a:solidFill>
+            <a:schemeClr val="bg1"/>
+          </a:solidFill>
+          <a:ln w="38100">
+            <a:solidFill>
+              <a:srgbClr val="FF0000"/>
+            </a:solidFill>
+          </a:ln>
+        </p:spPr>
+        <p:style>
+          <a:lnRef idx="2">
+            <a:schemeClr val="accent1">
+              <a:shade val="50000"/>
+            </a:schemeClr>
+          </a:lnRef>
+          <a:fillRef idx="1">
+            <a:schemeClr val="accent1"/>
+          </a:fillRef>
+          <a:effectRef idx="0">
+            <a:schemeClr val="accent1"/>
+          </a:effectRef>
+          <a:fontRef idx="minor">
+            <a:schemeClr val="lt1"/>
+          </a:fontRef>
+        </p:style>
+        <p:txBody>
+          <a:bodyPr rtlCol="0" anchor="ctr"/>
+          <a:lstStyle/>
+          <a:p>
+            <a:pPr algn="ctr"/>
+            <a:r>
+              <a:rPr lang="zh-TW" altLang="en-US" dirty="0" smtClean="0">
+                <a:solidFill>
+                  <a:schemeClr val="tx1"/>
+                </a:solidFill>
+              </a:rPr>
+              <a:t>均線字體顏色跟</a:t>
+            </a:r>
+            <a:r>
+              <a:rPr lang="en-US" altLang="zh-TW" dirty="0" smtClean="0">
+                <a:solidFill>
+                  <a:schemeClr val="tx1"/>
+                </a:solidFill>
+              </a:rPr>
+              <a:t>K</a:t>
+            </a:r>
+            <a:r>
+              <a:rPr lang="zh-TW" altLang="en-US" dirty="0" smtClean="0">
+                <a:solidFill>
+                  <a:schemeClr val="tx1"/>
+                </a:solidFill>
+              </a:rPr>
+              <a:t>線圖的均線一致</a:t>
+            </a:r>
+            <a:endParaRPr lang="zh-TW" altLang="en-US" dirty="0">
+              <a:solidFill>
+                <a:schemeClr val="tx1"/>
+              </a:solidFill>
+            </a:endParaRPr>
+          </a:p>
+        </p:txBody>
+      </p:sp>
+      <p:sp>
+        <p:nvSpPr>
+          <p:cNvPr id="15" name="直線圖說文字 1 14"/>
+          <p:cNvSpPr/>
+          <p:nvPr/>
+        </p:nvSpPr>
+        <p:spPr>
+          <a:xfrm>
+            <a:off x="2448657" y="5438096"/>
+            <a:ext cx="2674186" cy="411862"/>
+          </a:xfrm>
+          <a:prstGeom prst="borderCallout1">
+            <a:avLst>
+              <a:gd name="adj1" fmla="val 51839"/>
+              <a:gd name="adj2" fmla="val -333"/>
+              <a:gd name="adj3" fmla="val -262616"/>
+              <a:gd name="adj4" fmla="val -35727"/>
+            </a:avLst>
+          </a:prstGeom>
+          <a:solidFill>
+            <a:schemeClr val="bg1"/>
+          </a:solidFill>
+          <a:ln w="38100">
+            <a:solidFill>
+              <a:srgbClr val="FF0000"/>
+            </a:solidFill>
+          </a:ln>
+        </p:spPr>
+        <p:style>
+          <a:lnRef idx="2">
+            <a:schemeClr val="accent1">
+              <a:shade val="50000"/>
+            </a:schemeClr>
+          </a:lnRef>
+          <a:fillRef idx="1">
+            <a:schemeClr val="accent1"/>
+          </a:fillRef>
+          <a:effectRef idx="0">
+            <a:schemeClr val="accent1"/>
+          </a:effectRef>
+          <a:fontRef idx="minor">
+            <a:schemeClr val="lt1"/>
+          </a:fontRef>
+        </p:style>
+        <p:txBody>
+          <a:bodyPr rtlCol="0" anchor="ctr"/>
+          <a:lstStyle/>
+          <a:p>
+            <a:pPr algn="ctr"/>
+            <a:r>
+              <a:rPr lang="zh-TW" altLang="en-US" dirty="0" smtClean="0">
+                <a:solidFill>
+                  <a:schemeClr val="tx1"/>
+                </a:solidFill>
+              </a:rPr>
+              <a:t>只需顯示  月</a:t>
+            </a:r>
+            <a:r>
+              <a:rPr lang="en-US" altLang="zh-TW" dirty="0" smtClean="0">
+                <a:solidFill>
+                  <a:schemeClr val="tx1"/>
+                </a:solidFill>
+              </a:rPr>
+              <a:t>/</a:t>
+            </a:r>
+            <a:r>
+              <a:rPr lang="zh-TW" altLang="en-US" dirty="0" smtClean="0">
+                <a:solidFill>
+                  <a:schemeClr val="tx1"/>
+                </a:solidFill>
+              </a:rPr>
+              <a:t>日 如 </a:t>
+            </a:r>
+            <a:r>
+              <a:rPr lang="en-US" altLang="zh-TW" dirty="0" smtClean="0">
+                <a:solidFill>
+                  <a:schemeClr val="tx1"/>
+                </a:solidFill>
+              </a:rPr>
+              <a:t>09/07</a:t>
+            </a:r>
+            <a:endParaRPr lang="zh-TW" altLang="en-US" dirty="0">
+              <a:solidFill>
+                <a:schemeClr val="tx1"/>
+              </a:solidFill>
+            </a:endParaRPr>
           </a:p>
         </p:txBody>
       </p:sp>
@@ -3248,7 +3824,15 @@
                   <a:schemeClr val="tx1"/>
                 </a:solidFill>
               </a:rPr>
-              <a:t>點選的位置點顯示日期，僅需顯示</a:t>
+              <a:t>點選的位置點顯示日期</a:t>
+            </a:r>
+            <a:r>
+              <a:rPr lang="zh-TW" altLang="en-US" dirty="0" smtClean="0">
+                <a:solidFill>
+                  <a:schemeClr val="tx1"/>
+                </a:solidFill>
+              </a:rPr>
+              <a:t>，僅需顯示</a:t>
             </a:r>
             <a:r>
               <a:rPr lang="en-US" altLang="zh-TW" dirty="0" smtClean="0">
@@ -3368,15 +3952,15 @@
         </p:nvSpPr>
         <p:spPr>
           <a:xfrm>
-            <a:off x="5317553" y="2533826"/>
-            <a:ext cx="2317421" cy="3962508"/>
+            <a:off x="5317553" y="2533827"/>
+            <a:ext cx="2317421" cy="3020812"/>
           </a:xfrm>
           <a:prstGeom prst="borderCallout1">
             <a:avLst>
               <a:gd name="adj1" fmla="val 31895"/>
               <a:gd name="adj2" fmla="val -295"/>
-              <a:gd name="adj3" fmla="val 26839"/>
-              <a:gd name="adj4" fmla="val -185688"/>
+              <a:gd name="adj3" fmla="val 5140"/>
+              <a:gd name="adj4" fmla="val -186277"/>
             </a:avLst>
           </a:prstGeom>
           <a:solidFill>
@@ -3542,31 +4126,6 @@
               </a:rPr>
               <a:t>….</a:t>
             </a:r>
-          </a:p>
-          <a:p>
-            <a:r>
-              <a:rPr lang="en-US" altLang="zh-TW" dirty="0" smtClean="0">
-                <a:solidFill>
-                  <a:schemeClr val="tx1"/>
-                </a:solidFill>
-              </a:rPr>
-              <a:t>4.</a:t>
-            </a:r>
-            <a:r>
-              <a:rPr lang="zh-TW" altLang="en-US" dirty="0" smtClean="0">
-                <a:solidFill>
-                  <a:schemeClr val="tx1"/>
-                </a:solidFill>
-              </a:rPr>
-              <a:t>所有線的顏色與顯示行數據字體顏色一致</a:t>
-            </a:r>
-            <a:endParaRPr lang="zh-TW" altLang="en-US" dirty="0">
-              <a:solidFill>
-                <a:schemeClr val="tx1"/>
-              </a:solidFill>
-            </a:endParaRPr>
-          </a:p>
-          <a:p>
             <a:endParaRPr lang="en-US" altLang="zh-TW" dirty="0" smtClean="0">
               <a:solidFill>
                 <a:schemeClr val="tx1"/>
@@ -3582,9 +4141,9 @@
           <p:nvPr/>
         </p:nvCxnSpPr>
         <p:spPr>
-          <a:xfrm>
-            <a:off x="1037230" y="2685076"/>
-            <a:ext cx="4271557" cy="796847"/>
+          <a:xfrm flipV="1">
+            <a:off x="1037230" y="3521124"/>
+            <a:ext cx="4334606" cy="68237"/>
           </a:xfrm>
           <a:prstGeom prst="line">
             <a:avLst/>
@@ -4232,7 +4791,7 @@
         <a:sysClr val="windowText" lastClr="000000"/>
       </a:dk1>
       <a:lt1>
-        <a:sysClr val="window" lastClr="CCE8CF"/>
+        <a:sysClr val="window" lastClr="FFFFFF"/>
       </a:lt1>
       <a:dk2>
         <a:srgbClr val="44546A"/>

--- a/docs/線圖問題點.pptx
+++ b/docs/線圖問題點.pptx
@@ -106,6 +106,11 @@
       </a:defRPr>
     </a:lvl9pPr>
   </p:defaultTextStyle>
+  <p:extLst>
+    <p:ext uri="{EFAFB233-063F-42B5-8137-9DF3F51BA10A}">
+      <p15:sldGuideLst xmlns:p15="http://schemas.microsoft.com/office/powerpoint/2012/main"/>
+    </p:ext>
+  </p:extLst>
 </p:presentation>
 </file>
 
@@ -240,7 +245,7 @@
           <a:p>
             <a:fld id="{8026B243-CE84-4232-97D2-96ED87E8F986}" type="datetimeFigureOut">
               <a:rPr lang="zh-TW" altLang="en-US" smtClean="0"/>
-              <a:t>2018/9/29</a:t>
+              <a:t>2018/10/16</a:t>
             </a:fld>
             <a:endParaRPr lang="zh-TW" altLang="en-US"/>
           </a:p>
@@ -410,7 +415,7 @@
           <a:p>
             <a:fld id="{8026B243-CE84-4232-97D2-96ED87E8F986}" type="datetimeFigureOut">
               <a:rPr lang="zh-TW" altLang="en-US" smtClean="0"/>
-              <a:t>2018/9/29</a:t>
+              <a:t>2018/10/16</a:t>
             </a:fld>
             <a:endParaRPr lang="zh-TW" altLang="en-US"/>
           </a:p>
@@ -590,7 +595,7 @@
           <a:p>
             <a:fld id="{8026B243-CE84-4232-97D2-96ED87E8F986}" type="datetimeFigureOut">
               <a:rPr lang="zh-TW" altLang="en-US" smtClean="0"/>
-              <a:t>2018/9/29</a:t>
+              <a:t>2018/10/16</a:t>
             </a:fld>
             <a:endParaRPr lang="zh-TW" altLang="en-US"/>
           </a:p>
@@ -760,7 +765,7 @@
           <a:p>
             <a:fld id="{8026B243-CE84-4232-97D2-96ED87E8F986}" type="datetimeFigureOut">
               <a:rPr lang="zh-TW" altLang="en-US" smtClean="0"/>
-              <a:t>2018/9/29</a:t>
+              <a:t>2018/10/16</a:t>
             </a:fld>
             <a:endParaRPr lang="zh-TW" altLang="en-US"/>
           </a:p>
@@ -1006,7 +1011,7 @@
           <a:p>
             <a:fld id="{8026B243-CE84-4232-97D2-96ED87E8F986}" type="datetimeFigureOut">
               <a:rPr lang="zh-TW" altLang="en-US" smtClean="0"/>
-              <a:t>2018/9/29</a:t>
+              <a:t>2018/10/16</a:t>
             </a:fld>
             <a:endParaRPr lang="zh-TW" altLang="en-US"/>
           </a:p>
@@ -1238,7 +1243,7 @@
           <a:p>
             <a:fld id="{8026B243-CE84-4232-97D2-96ED87E8F986}" type="datetimeFigureOut">
               <a:rPr lang="zh-TW" altLang="en-US" smtClean="0"/>
-              <a:t>2018/9/29</a:t>
+              <a:t>2018/10/16</a:t>
             </a:fld>
             <a:endParaRPr lang="zh-TW" altLang="en-US"/>
           </a:p>
@@ -1605,7 +1610,7 @@
           <a:p>
             <a:fld id="{8026B243-CE84-4232-97D2-96ED87E8F986}" type="datetimeFigureOut">
               <a:rPr lang="zh-TW" altLang="en-US" smtClean="0"/>
-              <a:t>2018/9/29</a:t>
+              <a:t>2018/10/16</a:t>
             </a:fld>
             <a:endParaRPr lang="zh-TW" altLang="en-US"/>
           </a:p>
@@ -1723,7 +1728,7 @@
           <a:p>
             <a:fld id="{8026B243-CE84-4232-97D2-96ED87E8F986}" type="datetimeFigureOut">
               <a:rPr lang="zh-TW" altLang="en-US" smtClean="0"/>
-              <a:t>2018/9/29</a:t>
+              <a:t>2018/10/16</a:t>
             </a:fld>
             <a:endParaRPr lang="zh-TW" altLang="en-US"/>
           </a:p>
@@ -1818,7 +1823,7 @@
           <a:p>
             <a:fld id="{8026B243-CE84-4232-97D2-96ED87E8F986}" type="datetimeFigureOut">
               <a:rPr lang="zh-TW" altLang="en-US" smtClean="0"/>
-              <a:t>2018/9/29</a:t>
+              <a:t>2018/10/16</a:t>
             </a:fld>
             <a:endParaRPr lang="zh-TW" altLang="en-US"/>
           </a:p>
@@ -2095,7 +2100,7 @@
           <a:p>
             <a:fld id="{8026B243-CE84-4232-97D2-96ED87E8F986}" type="datetimeFigureOut">
               <a:rPr lang="zh-TW" altLang="en-US" smtClean="0"/>
-              <a:t>2018/9/29</a:t>
+              <a:t>2018/10/16</a:t>
             </a:fld>
             <a:endParaRPr lang="zh-TW" altLang="en-US"/>
           </a:p>
@@ -2348,7 +2353,7 @@
           <a:p>
             <a:fld id="{8026B243-CE84-4232-97D2-96ED87E8F986}" type="datetimeFigureOut">
               <a:rPr lang="zh-TW" altLang="en-US" smtClean="0"/>
-              <a:t>2018/9/29</a:t>
+              <a:t>2018/10/16</a:t>
             </a:fld>
             <a:endParaRPr lang="zh-TW" altLang="en-US"/>
           </a:p>
@@ -2561,7 +2566,7 @@
           <a:p>
             <a:fld id="{8026B243-CE84-4232-97D2-96ED87E8F986}" type="datetimeFigureOut">
               <a:rPr lang="zh-TW" altLang="en-US" smtClean="0"/>
-              <a:t>2018/9/29</a:t>
+              <a:t>2018/10/16</a:t>
             </a:fld>
             <a:endParaRPr lang="zh-TW" altLang="en-US"/>
           </a:p>
@@ -3021,101 +3026,6 @@
       </p:pic>
       <p:sp>
         <p:nvSpPr>
-          <p:cNvPr id="7" name="直線圖說文字 1 6"/>
-          <p:cNvSpPr/>
-          <p:nvPr/>
-        </p:nvSpPr>
-        <p:spPr>
-          <a:xfrm>
-            <a:off x="951655" y="1321391"/>
-            <a:ext cx="3069502" cy="649998"/>
-          </a:xfrm>
-          <a:prstGeom prst="borderCallout1">
-            <a:avLst>
-              <a:gd name="adj1" fmla="val 51839"/>
-              <a:gd name="adj2" fmla="val -333"/>
-              <a:gd name="adj3" fmla="val 157241"/>
-              <a:gd name="adj4" fmla="val -9106"/>
-            </a:avLst>
-          </a:prstGeom>
-          <a:solidFill>
-            <a:schemeClr val="bg1"/>
-          </a:solidFill>
-          <a:ln w="38100">
-            <a:solidFill>
-              <a:srgbClr val="FF0000"/>
-            </a:solidFill>
-          </a:ln>
-        </p:spPr>
-        <p:style>
-          <a:lnRef idx="2">
-            <a:schemeClr val="accent1">
-              <a:shade val="50000"/>
-            </a:schemeClr>
-          </a:lnRef>
-          <a:fillRef idx="1">
-            <a:schemeClr val="accent1"/>
-          </a:fillRef>
-          <a:effectRef idx="0">
-            <a:schemeClr val="accent1"/>
-          </a:effectRef>
-          <a:fontRef idx="minor">
-            <a:schemeClr val="lt1"/>
-          </a:fontRef>
-        </p:style>
-        <p:txBody>
-          <a:bodyPr rtlCol="0" anchor="ctr"/>
-          <a:lstStyle/>
-          <a:p>
-            <a:r>
-              <a:rPr lang="zh-TW" altLang="en-US" dirty="0" smtClean="0">
-                <a:solidFill>
-                  <a:schemeClr val="tx1"/>
-                </a:solidFill>
-              </a:rPr>
-              <a:t>取消此當日資訊顯示框</a:t>
-            </a:r>
-            <a:endParaRPr lang="en-US" altLang="zh-TW" dirty="0" smtClean="0">
-              <a:solidFill>
-                <a:schemeClr val="tx1"/>
-              </a:solidFill>
-            </a:endParaRPr>
-          </a:p>
-          <a:p>
-            <a:r>
-              <a:rPr lang="zh-TW" altLang="en-US" dirty="0" smtClean="0">
-                <a:solidFill>
-                  <a:schemeClr val="tx1"/>
-                </a:solidFill>
-              </a:rPr>
-              <a:t>改成</a:t>
-            </a:r>
-            <a:r>
-              <a:rPr lang="en-US" altLang="zh-TW" dirty="0" smtClean="0">
-                <a:solidFill>
-                  <a:schemeClr val="tx1"/>
-                </a:solidFill>
-              </a:rPr>
-              <a:t>K</a:t>
-            </a:r>
-            <a:r>
-              <a:rPr lang="zh-TW" altLang="en-US" dirty="0" smtClean="0">
-                <a:solidFill>
-                  <a:schemeClr val="tx1"/>
-                </a:solidFill>
-              </a:rPr>
-              <a:t>線圖上方的兩行顯示行</a:t>
-            </a:r>
-            <a:endParaRPr lang="en-US" altLang="zh-TW" dirty="0" smtClean="0">
-              <a:solidFill>
-                <a:schemeClr val="tx1"/>
-              </a:solidFill>
-            </a:endParaRPr>
-          </a:p>
-        </p:txBody>
-      </p:sp>
-      <p:sp>
-        <p:nvSpPr>
           <p:cNvPr id="9" name="直線圖說文字 1 8"/>
           <p:cNvSpPr/>
           <p:nvPr/>
@@ -3229,11 +3139,6 @@
               </a:rPr>
               <a:t> 69.1</a:t>
             </a:r>
-            <a:endParaRPr lang="en-US" altLang="zh-TW" dirty="0" smtClean="0">
-              <a:solidFill>
-                <a:schemeClr val="tx1"/>
-              </a:solidFill>
-            </a:endParaRPr>
           </a:p>
           <a:p>
             <a:r>
@@ -3252,11 +3157,6 @@
               </a:rPr>
               <a:t>M5 68.7 M10 68.57 M20 70.3M60 70.3</a:t>
             </a:r>
-            <a:endParaRPr lang="en-US" altLang="zh-TW" dirty="0" smtClean="0">
-              <a:solidFill>
-                <a:schemeClr val="tx1"/>
-              </a:solidFill>
-            </a:endParaRPr>
           </a:p>
         </p:txBody>
       </p:sp>
@@ -3340,306 +3240,6 @@
           <a:p>
             <a:pPr algn="ctr"/>
             <a:endParaRPr lang="zh-TW" altLang="en-US"/>
-          </a:p>
-        </p:txBody>
-      </p:sp>
-      <p:sp>
-        <p:nvSpPr>
-          <p:cNvPr id="12" name="直線圖說文字 1 11"/>
-          <p:cNvSpPr/>
-          <p:nvPr/>
-        </p:nvSpPr>
-        <p:spPr>
-          <a:xfrm>
-            <a:off x="4777140" y="2621387"/>
-            <a:ext cx="2263138" cy="411862"/>
-          </a:xfrm>
-          <a:prstGeom prst="borderCallout1">
-            <a:avLst>
-              <a:gd name="adj1" fmla="val 51839"/>
-              <a:gd name="adj2" fmla="val -333"/>
-              <a:gd name="adj3" fmla="val 221540"/>
-              <a:gd name="adj4" fmla="val -36215"/>
-            </a:avLst>
-          </a:prstGeom>
-          <a:solidFill>
-            <a:schemeClr val="bg1"/>
-          </a:solidFill>
-          <a:ln w="38100">
-            <a:solidFill>
-              <a:srgbClr val="FF0000"/>
-            </a:solidFill>
-          </a:ln>
-        </p:spPr>
-        <p:style>
-          <a:lnRef idx="2">
-            <a:schemeClr val="accent1">
-              <a:shade val="50000"/>
-            </a:schemeClr>
-          </a:lnRef>
-          <a:fillRef idx="1">
-            <a:schemeClr val="accent1"/>
-          </a:fillRef>
-          <a:effectRef idx="0">
-            <a:schemeClr val="accent1"/>
-          </a:effectRef>
-          <a:fontRef idx="minor">
-            <a:schemeClr val="lt1"/>
-          </a:fontRef>
-        </p:style>
-        <p:txBody>
-          <a:bodyPr rtlCol="0" anchor="ctr"/>
-          <a:lstStyle/>
-          <a:p>
-            <a:pPr algn="ctr"/>
-            <a:r>
-              <a:rPr lang="zh-TW" altLang="en-US" dirty="0" smtClean="0">
-                <a:solidFill>
-                  <a:schemeClr val="tx1"/>
-                </a:solidFill>
-              </a:rPr>
-              <a:t>取消此均線圓圈點</a:t>
-            </a:r>
-            <a:endParaRPr lang="zh-TW" altLang="en-US" dirty="0">
-              <a:solidFill>
-                <a:schemeClr val="tx1"/>
-              </a:solidFill>
-            </a:endParaRPr>
-          </a:p>
-        </p:txBody>
-      </p:sp>
-      <p:sp>
-        <p:nvSpPr>
-          <p:cNvPr id="13" name="直線圖說文字 1 12"/>
-          <p:cNvSpPr/>
-          <p:nvPr/>
-        </p:nvSpPr>
-        <p:spPr>
-          <a:xfrm>
-            <a:off x="5030528" y="3379743"/>
-            <a:ext cx="2263138" cy="411862"/>
-          </a:xfrm>
-          <a:prstGeom prst="borderCallout1">
-            <a:avLst>
-              <a:gd name="adj1" fmla="val 51839"/>
-              <a:gd name="adj2" fmla="val -333"/>
-              <a:gd name="adj3" fmla="val 26273"/>
-              <a:gd name="adj4" fmla="val -34267"/>
-            </a:avLst>
-          </a:prstGeom>
-          <a:solidFill>
-            <a:schemeClr val="bg1"/>
-          </a:solidFill>
-          <a:ln w="41275">
-            <a:solidFill>
-              <a:srgbClr val="FF0000"/>
-            </a:solidFill>
-          </a:ln>
-        </p:spPr>
-        <p:style>
-          <a:lnRef idx="2">
-            <a:schemeClr val="accent1">
-              <a:shade val="50000"/>
-            </a:schemeClr>
-          </a:lnRef>
-          <a:fillRef idx="1">
-            <a:schemeClr val="accent1"/>
-          </a:fillRef>
-          <a:effectRef idx="0">
-            <a:schemeClr val="accent1"/>
-          </a:effectRef>
-          <a:fontRef idx="minor">
-            <a:schemeClr val="lt1"/>
-          </a:fontRef>
-        </p:style>
-        <p:txBody>
-          <a:bodyPr rtlCol="0" anchor="ctr"/>
-          <a:lstStyle/>
-          <a:p>
-            <a:pPr algn="ctr"/>
-            <a:r>
-              <a:rPr lang="zh-TW" altLang="en-US" dirty="0" smtClean="0">
-                <a:solidFill>
-                  <a:schemeClr val="tx1"/>
-                </a:solidFill>
-              </a:rPr>
-              <a:t>均線線條粗一點點</a:t>
-            </a:r>
-            <a:endParaRPr lang="zh-TW" altLang="en-US" dirty="0">
-              <a:solidFill>
-                <a:schemeClr val="tx1"/>
-              </a:solidFill>
-            </a:endParaRPr>
-          </a:p>
-        </p:txBody>
-      </p:sp>
-      <p:sp>
-        <p:nvSpPr>
-          <p:cNvPr id="14" name="直線圖說文字 1 13"/>
-          <p:cNvSpPr/>
-          <p:nvPr/>
-        </p:nvSpPr>
-        <p:spPr>
-          <a:xfrm>
-            <a:off x="5793003" y="1636957"/>
-            <a:ext cx="2263138" cy="637936"/>
-          </a:xfrm>
-          <a:prstGeom prst="borderCallout1">
-            <a:avLst>
-              <a:gd name="adj1" fmla="val 51839"/>
-              <a:gd name="adj2" fmla="val -333"/>
-              <a:gd name="adj3" fmla="val -141191"/>
-              <a:gd name="adj4" fmla="val -17622"/>
-            </a:avLst>
-          </a:prstGeom>
-          <a:solidFill>
-            <a:schemeClr val="bg1"/>
-          </a:solidFill>
-          <a:ln w="38100">
-            <a:solidFill>
-              <a:srgbClr val="FF0000"/>
-            </a:solidFill>
-          </a:ln>
-        </p:spPr>
-        <p:style>
-          <a:lnRef idx="2">
-            <a:schemeClr val="accent1">
-              <a:shade val="50000"/>
-            </a:schemeClr>
-          </a:lnRef>
-          <a:fillRef idx="1">
-            <a:schemeClr val="accent1"/>
-          </a:fillRef>
-          <a:effectRef idx="0">
-            <a:schemeClr val="accent1"/>
-          </a:effectRef>
-          <a:fontRef idx="minor">
-            <a:schemeClr val="lt1"/>
-          </a:fontRef>
-        </p:style>
-        <p:txBody>
-          <a:bodyPr rtlCol="0" anchor="ctr"/>
-          <a:lstStyle/>
-          <a:p>
-            <a:pPr algn="ctr"/>
-            <a:r>
-              <a:rPr lang="zh-TW" altLang="en-US" dirty="0" smtClean="0">
-                <a:solidFill>
-                  <a:schemeClr val="tx1"/>
-                </a:solidFill>
-              </a:rPr>
-              <a:t>均線字體顏色跟</a:t>
-            </a:r>
-            <a:r>
-              <a:rPr lang="en-US" altLang="zh-TW" dirty="0" smtClean="0">
-                <a:solidFill>
-                  <a:schemeClr val="tx1"/>
-                </a:solidFill>
-              </a:rPr>
-              <a:t>K</a:t>
-            </a:r>
-            <a:r>
-              <a:rPr lang="zh-TW" altLang="en-US" dirty="0" smtClean="0">
-                <a:solidFill>
-                  <a:schemeClr val="tx1"/>
-                </a:solidFill>
-              </a:rPr>
-              <a:t>線圖的均線一致</a:t>
-            </a:r>
-            <a:endParaRPr lang="zh-TW" altLang="en-US" dirty="0">
-              <a:solidFill>
-                <a:schemeClr val="tx1"/>
-              </a:solidFill>
-            </a:endParaRPr>
-          </a:p>
-        </p:txBody>
-      </p:sp>
-      <p:sp>
-        <p:nvSpPr>
-          <p:cNvPr id="15" name="直線圖說文字 1 14"/>
-          <p:cNvSpPr/>
-          <p:nvPr/>
-        </p:nvSpPr>
-        <p:spPr>
-          <a:xfrm>
-            <a:off x="2448657" y="5438096"/>
-            <a:ext cx="2674186" cy="411862"/>
-          </a:xfrm>
-          <a:prstGeom prst="borderCallout1">
-            <a:avLst>
-              <a:gd name="adj1" fmla="val 51839"/>
-              <a:gd name="adj2" fmla="val -333"/>
-              <a:gd name="adj3" fmla="val -262616"/>
-              <a:gd name="adj4" fmla="val -35727"/>
-            </a:avLst>
-          </a:prstGeom>
-          <a:solidFill>
-            <a:schemeClr val="bg1"/>
-          </a:solidFill>
-          <a:ln w="38100">
-            <a:solidFill>
-              <a:srgbClr val="FF0000"/>
-            </a:solidFill>
-          </a:ln>
-        </p:spPr>
-        <p:style>
-          <a:lnRef idx="2">
-            <a:schemeClr val="accent1">
-              <a:shade val="50000"/>
-            </a:schemeClr>
-          </a:lnRef>
-          <a:fillRef idx="1">
-            <a:schemeClr val="accent1"/>
-          </a:fillRef>
-          <a:effectRef idx="0">
-            <a:schemeClr val="accent1"/>
-          </a:effectRef>
-          <a:fontRef idx="minor">
-            <a:schemeClr val="lt1"/>
-          </a:fontRef>
-        </p:style>
-        <p:txBody>
-          <a:bodyPr rtlCol="0" anchor="ctr"/>
-          <a:lstStyle/>
-          <a:p>
-            <a:pPr algn="ctr"/>
-            <a:r>
-              <a:rPr lang="zh-TW" altLang="en-US" dirty="0" smtClean="0">
-                <a:solidFill>
-                  <a:schemeClr val="tx1"/>
-                </a:solidFill>
-              </a:rPr>
-              <a:t>只需顯示  月</a:t>
-            </a:r>
-            <a:r>
-              <a:rPr lang="en-US" altLang="zh-TW" dirty="0" smtClean="0">
-                <a:solidFill>
-                  <a:schemeClr val="tx1"/>
-                </a:solidFill>
-              </a:rPr>
-              <a:t>/</a:t>
-            </a:r>
-            <a:r>
-              <a:rPr lang="zh-TW" altLang="en-US" dirty="0" smtClean="0">
-                <a:solidFill>
-                  <a:schemeClr val="tx1"/>
-                </a:solidFill>
-              </a:rPr>
-              <a:t>日 如 </a:t>
-            </a:r>
-            <a:r>
-              <a:rPr lang="en-US" altLang="zh-TW" dirty="0" smtClean="0">
-                <a:solidFill>
-                  <a:schemeClr val="tx1"/>
-                </a:solidFill>
-              </a:rPr>
-              <a:t>09/07</a:t>
-            </a:r>
-            <a:endParaRPr lang="zh-TW" altLang="en-US" dirty="0">
-              <a:solidFill>
-                <a:schemeClr val="tx1"/>
-              </a:solidFill>
-            </a:endParaRPr>
           </a:p>
         </p:txBody>
       </p:sp>
@@ -3824,15 +3424,7 @@
                   <a:schemeClr val="tx1"/>
                 </a:solidFill>
               </a:rPr>
-              <a:t>點選的位置點顯示日期</a:t>
-            </a:r>
-            <a:r>
-              <a:rPr lang="zh-TW" altLang="en-US" dirty="0" smtClean="0">
-                <a:solidFill>
-                  <a:schemeClr val="tx1"/>
-                </a:solidFill>
-              </a:rPr>
-              <a:t>，僅需顯示</a:t>
+              <a:t>點選的位置點顯示日期，僅需顯示</a:t>
             </a:r>
             <a:r>
               <a:rPr lang="en-US" altLang="zh-TW" dirty="0" smtClean="0">
@@ -4791,7 +4383,7 @@
         <a:sysClr val="windowText" lastClr="000000"/>
       </a:dk1>
       <a:lt1>
-        <a:sysClr val="window" lastClr="FFFFFF"/>
+        <a:sysClr val="window" lastClr="CCE8CF"/>
       </a:lt1>
       <a:dk2>
         <a:srgbClr val="44546A"/>
